--- a/Documentos/Presentaciones/Temario Laboratorio.pptx
+++ b/Documentos/Presentaciones/Temario Laboratorio.pptx
@@ -7,6 +7,7 @@
   <p:sldIdLst>
     <p:sldId id="267" r:id="rId2"/>
     <p:sldId id="268" r:id="rId3"/>
+    <p:sldId id="269" r:id="rId4"/>
   </p:sldIdLst>
   <p:sldSz cx="12192000" cy="6858000"/>
   <p:notesSz cx="6858000" cy="9144000"/>
@@ -262,7 +263,7 @@
           <a:p>
             <a:fld id="{D07697AA-50AD-46BD-8A7A-EAA3C7C96305}" type="datetimeFigureOut">
               <a:rPr lang="es-MX" smtClean="0"/>
-              <a:t>07/06/2020</a:t>
+              <a:t>09/06/2020</a:t>
             </a:fld>
             <a:endParaRPr lang="es-MX"/>
           </a:p>
@@ -462,7 +463,7 @@
           <a:p>
             <a:fld id="{D07697AA-50AD-46BD-8A7A-EAA3C7C96305}" type="datetimeFigureOut">
               <a:rPr lang="es-MX" smtClean="0"/>
-              <a:t>07/06/2020</a:t>
+              <a:t>09/06/2020</a:t>
             </a:fld>
             <a:endParaRPr lang="es-MX"/>
           </a:p>
@@ -672,7 +673,7 @@
           <a:p>
             <a:fld id="{D07697AA-50AD-46BD-8A7A-EAA3C7C96305}" type="datetimeFigureOut">
               <a:rPr lang="es-MX" smtClean="0"/>
-              <a:t>07/06/2020</a:t>
+              <a:t>09/06/2020</a:t>
             </a:fld>
             <a:endParaRPr lang="es-MX"/>
           </a:p>
@@ -872,7 +873,7 @@
           <a:p>
             <a:fld id="{D07697AA-50AD-46BD-8A7A-EAA3C7C96305}" type="datetimeFigureOut">
               <a:rPr lang="es-MX" smtClean="0"/>
-              <a:t>07/06/2020</a:t>
+              <a:t>09/06/2020</a:t>
             </a:fld>
             <a:endParaRPr lang="es-MX"/>
           </a:p>
@@ -1148,7 +1149,7 @@
           <a:p>
             <a:fld id="{D07697AA-50AD-46BD-8A7A-EAA3C7C96305}" type="datetimeFigureOut">
               <a:rPr lang="es-MX" smtClean="0"/>
-              <a:t>07/06/2020</a:t>
+              <a:t>09/06/2020</a:t>
             </a:fld>
             <a:endParaRPr lang="es-MX"/>
           </a:p>
@@ -1416,7 +1417,7 @@
           <a:p>
             <a:fld id="{D07697AA-50AD-46BD-8A7A-EAA3C7C96305}" type="datetimeFigureOut">
               <a:rPr lang="es-MX" smtClean="0"/>
-              <a:t>07/06/2020</a:t>
+              <a:t>09/06/2020</a:t>
             </a:fld>
             <a:endParaRPr lang="es-MX"/>
           </a:p>
@@ -1831,7 +1832,7 @@
           <a:p>
             <a:fld id="{D07697AA-50AD-46BD-8A7A-EAA3C7C96305}" type="datetimeFigureOut">
               <a:rPr lang="es-MX" smtClean="0"/>
-              <a:t>07/06/2020</a:t>
+              <a:t>09/06/2020</a:t>
             </a:fld>
             <a:endParaRPr lang="es-MX"/>
           </a:p>
@@ -1973,7 +1974,7 @@
           <a:p>
             <a:fld id="{D07697AA-50AD-46BD-8A7A-EAA3C7C96305}" type="datetimeFigureOut">
               <a:rPr lang="es-MX" smtClean="0"/>
-              <a:t>07/06/2020</a:t>
+              <a:t>09/06/2020</a:t>
             </a:fld>
             <a:endParaRPr lang="es-MX"/>
           </a:p>
@@ -2086,7 +2087,7 @@
           <a:p>
             <a:fld id="{D07697AA-50AD-46BD-8A7A-EAA3C7C96305}" type="datetimeFigureOut">
               <a:rPr lang="es-MX" smtClean="0"/>
-              <a:t>07/06/2020</a:t>
+              <a:t>09/06/2020</a:t>
             </a:fld>
             <a:endParaRPr lang="es-MX"/>
           </a:p>
@@ -2399,7 +2400,7 @@
           <a:p>
             <a:fld id="{D07697AA-50AD-46BD-8A7A-EAA3C7C96305}" type="datetimeFigureOut">
               <a:rPr lang="es-MX" smtClean="0"/>
-              <a:t>07/06/2020</a:t>
+              <a:t>09/06/2020</a:t>
             </a:fld>
             <a:endParaRPr lang="es-MX"/>
           </a:p>
@@ -2688,7 +2689,7 @@
           <a:p>
             <a:fld id="{D07697AA-50AD-46BD-8A7A-EAA3C7C96305}" type="datetimeFigureOut">
               <a:rPr lang="es-MX" smtClean="0"/>
-              <a:t>07/06/2020</a:t>
+              <a:t>09/06/2020</a:t>
             </a:fld>
             <a:endParaRPr lang="es-MX"/>
           </a:p>
@@ -2940,7 +2941,7 @@
           <a:p>
             <a:fld id="{D07697AA-50AD-46BD-8A7A-EAA3C7C96305}" type="datetimeFigureOut">
               <a:rPr lang="es-MX" smtClean="0"/>
-              <a:t>07/06/2020</a:t>
+              <a:t>09/06/2020</a:t>
             </a:fld>
             <a:endParaRPr lang="es-MX"/>
           </a:p>
@@ -3590,7 +3591,7 @@
           <a:noFill/>
         </p:spPr>
         <p:txBody>
-          <a:bodyPr wrap="square" numCol="2" rtlCol="0">
+          <a:bodyPr wrap="square" numCol="2" spcCol="360000" rtlCol="0">
             <a:spAutoFit/>
           </a:bodyPr>
           <a:lstStyle/>
@@ -3774,6 +3775,194 @@
             <a:endParaRPr lang="es-MX" sz="2400" dirty="0">
               <a:latin typeface="Berlin Sans FB" panose="020E0602020502020306" pitchFamily="34" charset="0"/>
             </a:endParaRPr>
+          </a:p>
+        </p:txBody>
+      </p:sp>
+      <p:sp>
+        <p:nvSpPr>
+          <p:cNvPr id="2" name="Rectángulo: esquinas redondeadas 1">
+            <a:extLst>
+              <a:ext uri="{FF2B5EF4-FFF2-40B4-BE49-F238E27FC236}">
+                <a16:creationId xmlns:a16="http://schemas.microsoft.com/office/drawing/2014/main" id="{E6DCA848-DA47-4484-A8BA-A282051121B0}"/>
+              </a:ext>
+            </a:extLst>
+          </p:cNvPr>
+          <p:cNvSpPr/>
+          <p:nvPr/>
+        </p:nvSpPr>
+        <p:spPr>
+          <a:xfrm>
+            <a:off x="5612384" y="2958939"/>
+            <a:ext cx="252840" cy="235984"/>
+          </a:xfrm>
+          <a:prstGeom prst="roundRect">
+            <a:avLst/>
+          </a:prstGeom>
+        </p:spPr>
+        <p:style>
+          <a:lnRef idx="0">
+            <a:schemeClr val="accent1"/>
+          </a:lnRef>
+          <a:fillRef idx="3">
+            <a:schemeClr val="accent1"/>
+          </a:fillRef>
+          <a:effectRef idx="3">
+            <a:schemeClr val="accent1"/>
+          </a:effectRef>
+          <a:fontRef idx="minor">
+            <a:schemeClr val="lt1"/>
+          </a:fontRef>
+        </p:style>
+        <p:txBody>
+          <a:bodyPr rtlCol="0" anchor="ctr"/>
+          <a:lstStyle/>
+          <a:p>
+            <a:pPr algn="ctr"/>
+            <a:r>
+              <a:rPr lang="es-MX" sz="1400" dirty="0"/>
+              <a:t>R</a:t>
+            </a:r>
+          </a:p>
+        </p:txBody>
+      </p:sp>
+      <p:sp>
+        <p:nvSpPr>
+          <p:cNvPr id="9" name="Rectángulo: esquinas redondeadas 8">
+            <a:extLst>
+              <a:ext uri="{FF2B5EF4-FFF2-40B4-BE49-F238E27FC236}">
+                <a16:creationId xmlns:a16="http://schemas.microsoft.com/office/drawing/2014/main" id="{1D4B33B7-0A17-4C38-A3EF-3A364E42B486}"/>
+              </a:ext>
+            </a:extLst>
+          </p:cNvPr>
+          <p:cNvSpPr/>
+          <p:nvPr/>
+        </p:nvSpPr>
+        <p:spPr>
+          <a:xfrm>
+            <a:off x="5612384" y="3311008"/>
+            <a:ext cx="252840" cy="235984"/>
+          </a:xfrm>
+          <a:prstGeom prst="roundRect">
+            <a:avLst/>
+          </a:prstGeom>
+        </p:spPr>
+        <p:style>
+          <a:lnRef idx="0">
+            <a:schemeClr val="accent1"/>
+          </a:lnRef>
+          <a:fillRef idx="3">
+            <a:schemeClr val="accent1"/>
+          </a:fillRef>
+          <a:effectRef idx="3">
+            <a:schemeClr val="accent1"/>
+          </a:effectRef>
+          <a:fontRef idx="minor">
+            <a:schemeClr val="lt1"/>
+          </a:fontRef>
+        </p:style>
+        <p:txBody>
+          <a:bodyPr rtlCol="0" anchor="ctr"/>
+          <a:lstStyle/>
+          <a:p>
+            <a:pPr algn="ctr"/>
+            <a:r>
+              <a:rPr lang="es-MX" sz="1400" dirty="0"/>
+              <a:t>R</a:t>
+            </a:r>
+          </a:p>
+        </p:txBody>
+      </p:sp>
+      <p:sp>
+        <p:nvSpPr>
+          <p:cNvPr id="12" name="Rectángulo: esquinas redondeadas 11">
+            <a:extLst>
+              <a:ext uri="{FF2B5EF4-FFF2-40B4-BE49-F238E27FC236}">
+                <a16:creationId xmlns:a16="http://schemas.microsoft.com/office/drawing/2014/main" id="{72BC0DF6-488A-41E0-830D-90700BCFC895}"/>
+              </a:ext>
+            </a:extLst>
+          </p:cNvPr>
+          <p:cNvSpPr/>
+          <p:nvPr/>
+        </p:nvSpPr>
+        <p:spPr>
+          <a:xfrm>
+            <a:off x="5612384" y="4052045"/>
+            <a:ext cx="252840" cy="235984"/>
+          </a:xfrm>
+          <a:prstGeom prst="roundRect">
+            <a:avLst/>
+          </a:prstGeom>
+        </p:spPr>
+        <p:style>
+          <a:lnRef idx="0">
+            <a:schemeClr val="accent1"/>
+          </a:lnRef>
+          <a:fillRef idx="3">
+            <a:schemeClr val="accent1"/>
+          </a:fillRef>
+          <a:effectRef idx="3">
+            <a:schemeClr val="accent1"/>
+          </a:effectRef>
+          <a:fontRef idx="minor">
+            <a:schemeClr val="lt1"/>
+          </a:fontRef>
+        </p:style>
+        <p:txBody>
+          <a:bodyPr rtlCol="0" anchor="ctr"/>
+          <a:lstStyle/>
+          <a:p>
+            <a:pPr algn="ctr"/>
+            <a:r>
+              <a:rPr lang="es-MX" sz="1400" dirty="0"/>
+              <a:t>R</a:t>
+            </a:r>
+          </a:p>
+        </p:txBody>
+      </p:sp>
+      <p:sp>
+        <p:nvSpPr>
+          <p:cNvPr id="13" name="Rectángulo: esquinas redondeadas 12">
+            <a:extLst>
+              <a:ext uri="{FF2B5EF4-FFF2-40B4-BE49-F238E27FC236}">
+                <a16:creationId xmlns:a16="http://schemas.microsoft.com/office/drawing/2014/main" id="{BB343FE5-2AA7-4695-A9BA-ABFEEF1E6FFA}"/>
+              </a:ext>
+            </a:extLst>
+          </p:cNvPr>
+          <p:cNvSpPr/>
+          <p:nvPr/>
+        </p:nvSpPr>
+        <p:spPr>
+          <a:xfrm>
+            <a:off x="5611758" y="4408631"/>
+            <a:ext cx="252840" cy="235984"/>
+          </a:xfrm>
+          <a:prstGeom prst="roundRect">
+            <a:avLst/>
+          </a:prstGeom>
+        </p:spPr>
+        <p:style>
+          <a:lnRef idx="0">
+            <a:schemeClr val="accent1"/>
+          </a:lnRef>
+          <a:fillRef idx="3">
+            <a:schemeClr val="accent1"/>
+          </a:fillRef>
+          <a:effectRef idx="3">
+            <a:schemeClr val="accent1"/>
+          </a:effectRef>
+          <a:fontRef idx="minor">
+            <a:schemeClr val="lt1"/>
+          </a:fontRef>
+        </p:style>
+        <p:txBody>
+          <a:bodyPr rtlCol="0" anchor="ctr"/>
+          <a:lstStyle/>
+          <a:p>
+            <a:pPr algn="ctr"/>
+            <a:r>
+              <a:rPr lang="es-MX" sz="1400" dirty="0"/>
+              <a:t>R</a:t>
+            </a:r>
           </a:p>
         </p:txBody>
       </p:sp>
@@ -4073,6 +4262,87 @@
     <p:extLst>
       <p:ext uri="{BB962C8B-B14F-4D97-AF65-F5344CB8AC3E}">
         <p14:creationId xmlns:p14="http://schemas.microsoft.com/office/powerpoint/2010/main" val="3036796805"/>
+      </p:ext>
+    </p:extLst>
+  </p:cSld>
+  <p:clrMapOvr>
+    <a:masterClrMapping/>
+  </p:clrMapOvr>
+</p:sld>
+</file>
+
+<file path=ppt/slides/slide3.xml><?xml version="1.0" encoding="utf-8"?>
+<p:sld xmlns:a="http://schemas.openxmlformats.org/drawingml/2006/main" xmlns:r="http://schemas.openxmlformats.org/officeDocument/2006/relationships" xmlns:p="http://schemas.openxmlformats.org/presentationml/2006/main">
+  <p:cSld>
+    <p:spTree>
+      <p:nvGrpSpPr>
+        <p:cNvPr id="1" name=""/>
+        <p:cNvGrpSpPr/>
+        <p:nvPr/>
+      </p:nvGrpSpPr>
+      <p:grpSpPr>
+        <a:xfrm>
+          <a:off x="0" y="0"/>
+          <a:ext cx="0" cy="0"/>
+          <a:chOff x="0" y="0"/>
+          <a:chExt cx="0" cy="0"/>
+        </a:xfrm>
+      </p:grpSpPr>
+      <p:sp>
+        <p:nvSpPr>
+          <p:cNvPr id="3" name="Marcador de contenido 2">
+            <a:extLst>
+              <a:ext uri="{FF2B5EF4-FFF2-40B4-BE49-F238E27FC236}">
+                <a16:creationId xmlns:a16="http://schemas.microsoft.com/office/drawing/2014/main" id="{C3585A6C-3ACD-4D3F-805C-472A87496AD5}"/>
+              </a:ext>
+            </a:extLst>
+          </p:cNvPr>
+          <p:cNvSpPr>
+            <a:spLocks noGrp="1"/>
+          </p:cNvSpPr>
+          <p:nvPr>
+            <p:ph idx="1"/>
+          </p:nvPr>
+        </p:nvSpPr>
+        <p:spPr/>
+        <p:txBody>
+          <a:bodyPr>
+            <a:normAutofit/>
+          </a:bodyPr>
+          <a:lstStyle/>
+          <a:p>
+            <a:pPr marL="0" indent="0" algn="ctr">
+              <a:buNone/>
+            </a:pPr>
+            <a:r>
+              <a:rPr lang="es-MX" sz="6600" dirty="0">
+                <a:solidFill>
+                  <a:schemeClr val="accent5">
+                    <a:lumMod val="50000"/>
+                  </a:schemeClr>
+                </a:solidFill>
+                <a:latin typeface="Berlin Sans FB Demi" panose="020E0802020502020306" pitchFamily="34" charset="0"/>
+              </a:rPr>
+              <a:t>Por su atención </a:t>
+            </a:r>
+            <a:r>
+              <a:rPr lang="es-MX" sz="6600" dirty="0">
+                <a:solidFill>
+                  <a:schemeClr val="accent5">
+                    <a:lumMod val="75000"/>
+                  </a:schemeClr>
+                </a:solidFill>
+                <a:latin typeface="Berlin Sans FB Demi" panose="020E0802020502020306" pitchFamily="34" charset="0"/>
+              </a:rPr>
+              <a:t>¡Gracias!</a:t>
+            </a:r>
+          </a:p>
+        </p:txBody>
+      </p:sp>
+    </p:spTree>
+    <p:extLst>
+      <p:ext uri="{BB962C8B-B14F-4D97-AF65-F5344CB8AC3E}">
+        <p14:creationId xmlns:p14="http://schemas.microsoft.com/office/powerpoint/2010/main" val="821729469"/>
       </p:ext>
     </p:extLst>
   </p:cSld>
